--- a/Presentation/Integrated Circuits Manufacturing Process Model.pptx
+++ b/Presentation/Integrated Circuits Manufacturing Process Model.pptx
@@ -16,8 +16,8 @@
     <p:sldId id="269" r:id="rId10"/>
     <p:sldId id="260" r:id="rId11"/>
     <p:sldId id="270" r:id="rId12"/>
-    <p:sldId id="271" r:id="rId13"/>
-    <p:sldId id="272" r:id="rId14"/>
+    <p:sldId id="272" r:id="rId13"/>
+    <p:sldId id="271" r:id="rId14"/>
     <p:sldId id="261" r:id="rId15"/>
     <p:sldId id="273" r:id="rId16"/>
     <p:sldId id="262" r:id="rId17"/>
@@ -122,6 +122,11 @@
       </a:defRPr>
     </a:lvl9pPr>
   </p:defaultTextStyle>
+  <p:extLst>
+    <p:ext uri="{EFAFB233-063F-42B5-8137-9DF3F51BA10A}">
+      <p15:sldGuideLst xmlns:p15="http://schemas.microsoft.com/office/powerpoint/2012/main"/>
+    </p:ext>
+  </p:extLst>
 </p:presentation>
 </file>
 
@@ -3059,7 +3064,7 @@
           <a:p>
             <a:fld id="{F938573D-1BC7-4425-A88F-9A84100E2B8D}" type="datetimeFigureOut">
               <a:rPr lang="en-US" smtClean="0"/>
-              <a:t>2/9/2019</a:t>
+              <a:t>2/12/2019</a:t>
             </a:fld>
             <a:endParaRPr lang="en-US"/>
           </a:p>
@@ -3257,7 +3262,7 @@
           <a:p>
             <a:fld id="{F938573D-1BC7-4425-A88F-9A84100E2B8D}" type="datetimeFigureOut">
               <a:rPr lang="en-US" smtClean="0"/>
-              <a:t>2/9/2019</a:t>
+              <a:t>2/12/2019</a:t>
             </a:fld>
             <a:endParaRPr lang="en-US"/>
           </a:p>
@@ -3465,7 +3470,7 @@
           <a:p>
             <a:fld id="{F938573D-1BC7-4425-A88F-9A84100E2B8D}" type="datetimeFigureOut">
               <a:rPr lang="en-US" smtClean="0"/>
-              <a:t>2/9/2019</a:t>
+              <a:t>2/12/2019</a:t>
             </a:fld>
             <a:endParaRPr lang="en-US"/>
           </a:p>
@@ -3663,7 +3668,7 @@
           <a:p>
             <a:fld id="{F938573D-1BC7-4425-A88F-9A84100E2B8D}" type="datetimeFigureOut">
               <a:rPr lang="en-US" smtClean="0"/>
-              <a:t>2/9/2019</a:t>
+              <a:t>2/12/2019</a:t>
             </a:fld>
             <a:endParaRPr lang="en-US"/>
           </a:p>
@@ -3938,7 +3943,7 @@
           <a:p>
             <a:fld id="{F938573D-1BC7-4425-A88F-9A84100E2B8D}" type="datetimeFigureOut">
               <a:rPr lang="en-US" smtClean="0"/>
-              <a:t>2/9/2019</a:t>
+              <a:t>2/12/2019</a:t>
             </a:fld>
             <a:endParaRPr lang="en-US"/>
           </a:p>
@@ -4203,7 +4208,7 @@
           <a:p>
             <a:fld id="{F938573D-1BC7-4425-A88F-9A84100E2B8D}" type="datetimeFigureOut">
               <a:rPr lang="en-US" smtClean="0"/>
-              <a:t>2/9/2019</a:t>
+              <a:t>2/12/2019</a:t>
             </a:fld>
             <a:endParaRPr lang="en-US"/>
           </a:p>
@@ -4615,7 +4620,7 @@
           <a:p>
             <a:fld id="{F938573D-1BC7-4425-A88F-9A84100E2B8D}" type="datetimeFigureOut">
               <a:rPr lang="en-US" smtClean="0"/>
-              <a:t>2/9/2019</a:t>
+              <a:t>2/12/2019</a:t>
             </a:fld>
             <a:endParaRPr lang="en-US"/>
           </a:p>
@@ -4756,7 +4761,7 @@
           <a:p>
             <a:fld id="{F938573D-1BC7-4425-A88F-9A84100E2B8D}" type="datetimeFigureOut">
               <a:rPr lang="en-US" smtClean="0"/>
-              <a:t>2/9/2019</a:t>
+              <a:t>2/12/2019</a:t>
             </a:fld>
             <a:endParaRPr lang="en-US"/>
           </a:p>
@@ -4869,7 +4874,7 @@
           <a:p>
             <a:fld id="{F938573D-1BC7-4425-A88F-9A84100E2B8D}" type="datetimeFigureOut">
               <a:rPr lang="en-US" smtClean="0"/>
-              <a:t>2/9/2019</a:t>
+              <a:t>2/12/2019</a:t>
             </a:fld>
             <a:endParaRPr lang="en-US"/>
           </a:p>
@@ -5180,7 +5185,7 @@
           <a:p>
             <a:fld id="{F938573D-1BC7-4425-A88F-9A84100E2B8D}" type="datetimeFigureOut">
               <a:rPr lang="en-US" smtClean="0"/>
-              <a:t>2/9/2019</a:t>
+              <a:t>2/12/2019</a:t>
             </a:fld>
             <a:endParaRPr lang="en-US"/>
           </a:p>
@@ -5468,7 +5473,7 @@
           <a:p>
             <a:fld id="{F938573D-1BC7-4425-A88F-9A84100E2B8D}" type="datetimeFigureOut">
               <a:rPr lang="en-US" smtClean="0"/>
-              <a:t>2/9/2019</a:t>
+              <a:t>2/12/2019</a:t>
             </a:fld>
             <a:endParaRPr lang="en-US"/>
           </a:p>
@@ -5709,7 +5714,7 @@
           <a:p>
             <a:fld id="{F938573D-1BC7-4425-A88F-9A84100E2B8D}" type="datetimeFigureOut">
               <a:rPr lang="en-US" smtClean="0"/>
-              <a:t>2/9/2019</a:t>
+              <a:t>2/12/2019</a:t>
             </a:fld>
             <a:endParaRPr lang="en-US"/>
           </a:p>
@@ -6989,48 +6994,542 @@
       </p:sp>
       <p:pic>
         <p:nvPicPr>
-          <p:cNvPr id="1026" name="Picture 2">
-            <a:extLst>
-              <a:ext uri="{FF2B5EF4-FFF2-40B4-BE49-F238E27FC236}">
-                <a16:creationId xmlns:a16="http://schemas.microsoft.com/office/drawing/2014/main" id="{85A75ED0-EA56-49E2-8D85-8C7DE0602C08}"/>
+          <p:cNvPr id="43" name="Picture 42">
+            <a:extLst>
+              <a:ext uri="{FF2B5EF4-FFF2-40B4-BE49-F238E27FC236}">
+                <a16:creationId xmlns:a16="http://schemas.microsoft.com/office/drawing/2014/main" id="{C241241A-633F-436A-86AE-EBC96766F306}"/>
               </a:ext>
             </a:extLst>
           </p:cNvPr>
           <p:cNvPicPr>
-            <a:picLocks noChangeAspect="1" noChangeArrowheads="1"/>
+            <a:picLocks noChangeAspect="1"/>
           </p:cNvPicPr>
           <p:nvPr/>
         </p:nvPicPr>
         <p:blipFill>
-          <a:blip r:embed="rId2">
-            <a:extLst>
-              <a:ext uri="{28A0092B-C50C-407E-A947-70E740481C1C}">
-                <a14:useLocalDpi xmlns:a14="http://schemas.microsoft.com/office/drawing/2010/main" val="0"/>
-              </a:ext>
-            </a:extLst>
-          </a:blip>
+          <a:blip r:embed="rId2"/>
           <a:stretch>
             <a:fillRect/>
           </a:stretch>
         </p:blipFill>
-        <p:spPr bwMode="auto">
+        <p:spPr>
           <a:xfrm>
-            <a:off x="4732989" y="952500"/>
-            <a:ext cx="6761948" cy="4829963"/>
+            <a:off x="4394903" y="126451"/>
+            <a:ext cx="1978825" cy="1395019"/>
           </a:xfrm>
           <a:prstGeom prst="rect">
             <a:avLst/>
           </a:prstGeom>
-          <a:noFill/>
-          <a:extLst>
-            <a:ext uri="{909E8E84-426E-40DD-AFC4-6F175D3DCCD1}">
-              <a14:hiddenFill xmlns:a14="http://schemas.microsoft.com/office/drawing/2010/main">
-                <a:solidFill>
-                  <a:srgbClr val="FFFFFF"/>
-                </a:solidFill>
-              </a14:hiddenFill>
-            </a:ext>
-          </a:extLst>
+        </p:spPr>
+      </p:pic>
+      <p:pic>
+        <p:nvPicPr>
+          <p:cNvPr id="44" name="Picture 43">
+            <a:extLst>
+              <a:ext uri="{FF2B5EF4-FFF2-40B4-BE49-F238E27FC236}">
+                <a16:creationId xmlns:a16="http://schemas.microsoft.com/office/drawing/2014/main" id="{32D16120-6683-4E6E-9151-1833DFDF09C8}"/>
+              </a:ext>
+            </a:extLst>
+          </p:cNvPr>
+          <p:cNvPicPr>
+            <a:picLocks noChangeAspect="1"/>
+          </p:cNvPicPr>
+          <p:nvPr/>
+        </p:nvPicPr>
+        <p:blipFill>
+          <a:blip r:embed="rId3"/>
+          <a:stretch>
+            <a:fillRect/>
+          </a:stretch>
+        </p:blipFill>
+        <p:spPr>
+          <a:xfrm>
+            <a:off x="6471018" y="180401"/>
+            <a:ext cx="1362104" cy="1304901"/>
+          </a:xfrm>
+          <a:prstGeom prst="rect">
+            <a:avLst/>
+          </a:prstGeom>
+        </p:spPr>
+      </p:pic>
+      <p:pic>
+        <p:nvPicPr>
+          <p:cNvPr id="45" name="Picture 44">
+            <a:extLst>
+              <a:ext uri="{FF2B5EF4-FFF2-40B4-BE49-F238E27FC236}">
+                <a16:creationId xmlns:a16="http://schemas.microsoft.com/office/drawing/2014/main" id="{B17D474A-306E-4E13-B09C-A61018C98096}"/>
+              </a:ext>
+            </a:extLst>
+          </p:cNvPr>
+          <p:cNvPicPr>
+            <a:picLocks noChangeAspect="1"/>
+          </p:cNvPicPr>
+          <p:nvPr/>
+        </p:nvPicPr>
+        <p:blipFill>
+          <a:blip r:embed="rId4"/>
+          <a:stretch>
+            <a:fillRect/>
+          </a:stretch>
+        </p:blipFill>
+        <p:spPr>
+          <a:xfrm>
+            <a:off x="4355845" y="1235906"/>
+            <a:ext cx="2017797" cy="1414802"/>
+          </a:xfrm>
+          <a:prstGeom prst="rect">
+            <a:avLst/>
+          </a:prstGeom>
+        </p:spPr>
+      </p:pic>
+      <p:pic>
+        <p:nvPicPr>
+          <p:cNvPr id="46" name="Picture 45">
+            <a:extLst>
+              <a:ext uri="{FF2B5EF4-FFF2-40B4-BE49-F238E27FC236}">
+                <a16:creationId xmlns:a16="http://schemas.microsoft.com/office/drawing/2014/main" id="{E1F2405D-F5B6-4DB6-903D-A2C9C01DF444}"/>
+              </a:ext>
+            </a:extLst>
+          </p:cNvPr>
+          <p:cNvPicPr>
+            <a:picLocks noChangeAspect="1"/>
+          </p:cNvPicPr>
+          <p:nvPr/>
+        </p:nvPicPr>
+        <p:blipFill>
+          <a:blip r:embed="rId5"/>
+          <a:stretch>
+            <a:fillRect/>
+          </a:stretch>
+        </p:blipFill>
+        <p:spPr>
+          <a:xfrm>
+            <a:off x="6424748" y="1420705"/>
+            <a:ext cx="1298498" cy="1327837"/>
+          </a:xfrm>
+          <a:prstGeom prst="rect">
+            <a:avLst/>
+          </a:prstGeom>
+        </p:spPr>
+      </p:pic>
+      <p:pic>
+        <p:nvPicPr>
+          <p:cNvPr id="47" name="Picture 46">
+            <a:extLst>
+              <a:ext uri="{FF2B5EF4-FFF2-40B4-BE49-F238E27FC236}">
+                <a16:creationId xmlns:a16="http://schemas.microsoft.com/office/drawing/2014/main" id="{DA3CD87C-D061-468F-BB9D-134A52FD2E8B}"/>
+              </a:ext>
+            </a:extLst>
+          </p:cNvPr>
+          <p:cNvPicPr>
+            <a:picLocks noChangeAspect="1"/>
+          </p:cNvPicPr>
+          <p:nvPr/>
+        </p:nvPicPr>
+        <p:blipFill>
+          <a:blip r:embed="rId6"/>
+          <a:stretch>
+            <a:fillRect/>
+          </a:stretch>
+        </p:blipFill>
+        <p:spPr>
+          <a:xfrm>
+            <a:off x="4419007" y="2360552"/>
+            <a:ext cx="1998312" cy="1364905"/>
+          </a:xfrm>
+          <a:prstGeom prst="rect">
+            <a:avLst/>
+          </a:prstGeom>
+        </p:spPr>
+      </p:pic>
+      <p:pic>
+        <p:nvPicPr>
+          <p:cNvPr id="48" name="Picture 47">
+            <a:extLst>
+              <a:ext uri="{FF2B5EF4-FFF2-40B4-BE49-F238E27FC236}">
+                <a16:creationId xmlns:a16="http://schemas.microsoft.com/office/drawing/2014/main" id="{D9357BAD-9998-4F5D-8663-1798B84755F5}"/>
+              </a:ext>
+            </a:extLst>
+          </p:cNvPr>
+          <p:cNvPicPr>
+            <a:picLocks noChangeAspect="1"/>
+          </p:cNvPicPr>
+          <p:nvPr/>
+        </p:nvPicPr>
+        <p:blipFill>
+          <a:blip r:embed="rId7"/>
+          <a:stretch>
+            <a:fillRect/>
+          </a:stretch>
+        </p:blipFill>
+        <p:spPr>
+          <a:xfrm>
+            <a:off x="6455604" y="2493847"/>
+            <a:ext cx="1347065" cy="1312844"/>
+          </a:xfrm>
+          <a:prstGeom prst="rect">
+            <a:avLst/>
+          </a:prstGeom>
+        </p:spPr>
+      </p:pic>
+      <p:pic>
+        <p:nvPicPr>
+          <p:cNvPr id="49" name="Picture 48">
+            <a:extLst>
+              <a:ext uri="{FF2B5EF4-FFF2-40B4-BE49-F238E27FC236}">
+                <a16:creationId xmlns:a16="http://schemas.microsoft.com/office/drawing/2014/main" id="{805E3099-37B7-472B-A8D8-6772E5A2C522}"/>
+              </a:ext>
+            </a:extLst>
+          </p:cNvPr>
+          <p:cNvPicPr>
+            <a:picLocks noChangeAspect="1"/>
+          </p:cNvPicPr>
+          <p:nvPr/>
+        </p:nvPicPr>
+        <p:blipFill>
+          <a:blip r:embed="rId8"/>
+          <a:stretch>
+            <a:fillRect/>
+          </a:stretch>
+        </p:blipFill>
+        <p:spPr>
+          <a:xfrm>
+            <a:off x="4431102" y="3468779"/>
+            <a:ext cx="2017797" cy="1397951"/>
+          </a:xfrm>
+          <a:prstGeom prst="rect">
+            <a:avLst/>
+          </a:prstGeom>
+        </p:spPr>
+      </p:pic>
+      <p:pic>
+        <p:nvPicPr>
+          <p:cNvPr id="50" name="Picture 49">
+            <a:extLst>
+              <a:ext uri="{FF2B5EF4-FFF2-40B4-BE49-F238E27FC236}">
+                <a16:creationId xmlns:a16="http://schemas.microsoft.com/office/drawing/2014/main" id="{BCF5BB55-212A-4214-8D96-45BD369A07CB}"/>
+              </a:ext>
+            </a:extLst>
+          </p:cNvPr>
+          <p:cNvPicPr>
+            <a:picLocks noChangeAspect="1"/>
+          </p:cNvPicPr>
+          <p:nvPr/>
+        </p:nvPicPr>
+        <p:blipFill>
+          <a:blip r:embed="rId9"/>
+          <a:stretch>
+            <a:fillRect/>
+          </a:stretch>
+        </p:blipFill>
+        <p:spPr>
+          <a:xfrm>
+            <a:off x="6180246" y="3698339"/>
+            <a:ext cx="1412470" cy="1452054"/>
+          </a:xfrm>
+          <a:prstGeom prst="rect">
+            <a:avLst/>
+          </a:prstGeom>
+        </p:spPr>
+      </p:pic>
+      <p:pic>
+        <p:nvPicPr>
+          <p:cNvPr id="51" name="Picture 50">
+            <a:extLst>
+              <a:ext uri="{FF2B5EF4-FFF2-40B4-BE49-F238E27FC236}">
+                <a16:creationId xmlns:a16="http://schemas.microsoft.com/office/drawing/2014/main" id="{BCD36425-0CFD-4B8B-8189-565FD4114B7E}"/>
+              </a:ext>
+            </a:extLst>
+          </p:cNvPr>
+          <p:cNvPicPr>
+            <a:picLocks noChangeAspect="1"/>
+          </p:cNvPicPr>
+          <p:nvPr/>
+        </p:nvPicPr>
+        <p:blipFill>
+          <a:blip r:embed="rId10"/>
+          <a:stretch>
+            <a:fillRect/>
+          </a:stretch>
+        </p:blipFill>
+        <p:spPr>
+          <a:xfrm>
+            <a:off x="4461031" y="4571530"/>
+            <a:ext cx="1978824" cy="1387153"/>
+          </a:xfrm>
+          <a:prstGeom prst="rect">
+            <a:avLst/>
+          </a:prstGeom>
+        </p:spPr>
+      </p:pic>
+      <p:pic>
+        <p:nvPicPr>
+          <p:cNvPr id="52" name="Picture 51">
+            <a:extLst>
+              <a:ext uri="{FF2B5EF4-FFF2-40B4-BE49-F238E27FC236}">
+                <a16:creationId xmlns:a16="http://schemas.microsoft.com/office/drawing/2014/main" id="{E6516E84-742F-4A8A-818D-020BD5F6303B}"/>
+              </a:ext>
+            </a:extLst>
+          </p:cNvPr>
+          <p:cNvPicPr>
+            <a:picLocks noChangeAspect="1"/>
+          </p:cNvPicPr>
+          <p:nvPr/>
+        </p:nvPicPr>
+        <p:blipFill>
+          <a:blip r:embed="rId11"/>
+          <a:stretch>
+            <a:fillRect/>
+          </a:stretch>
+        </p:blipFill>
+        <p:spPr>
+          <a:xfrm>
+            <a:off x="6392791" y="4771846"/>
+            <a:ext cx="1570228" cy="1522728"/>
+          </a:xfrm>
+          <a:prstGeom prst="rect">
+            <a:avLst/>
+          </a:prstGeom>
+        </p:spPr>
+      </p:pic>
+      <p:pic>
+        <p:nvPicPr>
+          <p:cNvPr id="53" name="Picture 52">
+            <a:extLst>
+              <a:ext uri="{FF2B5EF4-FFF2-40B4-BE49-F238E27FC236}">
+                <a16:creationId xmlns:a16="http://schemas.microsoft.com/office/drawing/2014/main" id="{A0598D94-1886-4A34-A531-7810637971E0}"/>
+              </a:ext>
+            </a:extLst>
+          </p:cNvPr>
+          <p:cNvPicPr>
+            <a:picLocks noChangeAspect="1"/>
+          </p:cNvPicPr>
+          <p:nvPr/>
+        </p:nvPicPr>
+        <p:blipFill>
+          <a:blip r:embed="rId12"/>
+          <a:stretch>
+            <a:fillRect/>
+          </a:stretch>
+        </p:blipFill>
+        <p:spPr>
+          <a:xfrm>
+            <a:off x="8408093" y="576942"/>
+            <a:ext cx="2003228" cy="1387153"/>
+          </a:xfrm>
+          <a:prstGeom prst="rect">
+            <a:avLst/>
+          </a:prstGeom>
+        </p:spPr>
+      </p:pic>
+      <p:pic>
+        <p:nvPicPr>
+          <p:cNvPr id="54" name="Picture 53">
+            <a:extLst>
+              <a:ext uri="{FF2B5EF4-FFF2-40B4-BE49-F238E27FC236}">
+                <a16:creationId xmlns:a16="http://schemas.microsoft.com/office/drawing/2014/main" id="{2A3E47BD-20DA-47E4-BD8E-14FAC661E833}"/>
+              </a:ext>
+            </a:extLst>
+          </p:cNvPr>
+          <p:cNvPicPr>
+            <a:picLocks noChangeAspect="1"/>
+          </p:cNvPicPr>
+          <p:nvPr/>
+        </p:nvPicPr>
+        <p:blipFill>
+          <a:blip r:embed="rId13"/>
+          <a:stretch>
+            <a:fillRect/>
+          </a:stretch>
+        </p:blipFill>
+        <p:spPr>
+          <a:xfrm>
+            <a:off x="10449916" y="770769"/>
+            <a:ext cx="1589120" cy="1097038"/>
+          </a:xfrm>
+          <a:prstGeom prst="rect">
+            <a:avLst/>
+          </a:prstGeom>
+        </p:spPr>
+      </p:pic>
+      <p:pic>
+        <p:nvPicPr>
+          <p:cNvPr id="55" name="Picture 54">
+            <a:extLst>
+              <a:ext uri="{FF2B5EF4-FFF2-40B4-BE49-F238E27FC236}">
+                <a16:creationId xmlns:a16="http://schemas.microsoft.com/office/drawing/2014/main" id="{03C623DE-363F-4CAD-8ACC-DE3C5ACB5571}"/>
+              </a:ext>
+            </a:extLst>
+          </p:cNvPr>
+          <p:cNvPicPr>
+            <a:picLocks noChangeAspect="1"/>
+          </p:cNvPicPr>
+          <p:nvPr/>
+        </p:nvPicPr>
+        <p:blipFill>
+          <a:blip r:embed="rId14"/>
+          <a:stretch>
+            <a:fillRect/>
+          </a:stretch>
+        </p:blipFill>
+        <p:spPr>
+          <a:xfrm>
+            <a:off x="8411868" y="1693671"/>
+            <a:ext cx="1998311" cy="1441767"/>
+          </a:xfrm>
+          <a:prstGeom prst="rect">
+            <a:avLst/>
+          </a:prstGeom>
+        </p:spPr>
+      </p:pic>
+      <p:pic>
+        <p:nvPicPr>
+          <p:cNvPr id="56" name="Picture 55">
+            <a:extLst>
+              <a:ext uri="{FF2B5EF4-FFF2-40B4-BE49-F238E27FC236}">
+                <a16:creationId xmlns:a16="http://schemas.microsoft.com/office/drawing/2014/main" id="{18135BBC-024B-40B0-A4BA-906FA9392504}"/>
+              </a:ext>
+            </a:extLst>
+          </p:cNvPr>
+          <p:cNvPicPr>
+            <a:picLocks noChangeAspect="1"/>
+          </p:cNvPicPr>
+          <p:nvPr/>
+        </p:nvPicPr>
+        <p:blipFill>
+          <a:blip r:embed="rId15"/>
+          <a:stretch>
+            <a:fillRect/>
+          </a:stretch>
+        </p:blipFill>
+        <p:spPr>
+          <a:xfrm>
+            <a:off x="10370991" y="1938059"/>
+            <a:ext cx="1621246" cy="1102598"/>
+          </a:xfrm>
+          <a:prstGeom prst="rect">
+            <a:avLst/>
+          </a:prstGeom>
+        </p:spPr>
+      </p:pic>
+      <p:pic>
+        <p:nvPicPr>
+          <p:cNvPr id="57" name="Picture 56">
+            <a:extLst>
+              <a:ext uri="{FF2B5EF4-FFF2-40B4-BE49-F238E27FC236}">
+                <a16:creationId xmlns:a16="http://schemas.microsoft.com/office/drawing/2014/main" id="{C2E97C09-0CAF-4A61-B3EA-865A883491E7}"/>
+              </a:ext>
+            </a:extLst>
+          </p:cNvPr>
+          <p:cNvPicPr>
+            <a:picLocks noChangeAspect="1"/>
+          </p:cNvPicPr>
+          <p:nvPr/>
+        </p:nvPicPr>
+        <p:blipFill>
+          <a:blip r:embed="rId16"/>
+          <a:stretch>
+            <a:fillRect/>
+          </a:stretch>
+        </p:blipFill>
+        <p:spPr>
+          <a:xfrm>
+            <a:off x="8408093" y="2852340"/>
+            <a:ext cx="2012854" cy="1416267"/>
+          </a:xfrm>
+          <a:prstGeom prst="rect">
+            <a:avLst/>
+          </a:prstGeom>
+        </p:spPr>
+      </p:pic>
+      <p:pic>
+        <p:nvPicPr>
+          <p:cNvPr id="58" name="Picture 57">
+            <a:extLst>
+              <a:ext uri="{FF2B5EF4-FFF2-40B4-BE49-F238E27FC236}">
+                <a16:creationId xmlns:a16="http://schemas.microsoft.com/office/drawing/2014/main" id="{C3DB6491-A255-4B9E-AA78-CB9FC5A762CA}"/>
+              </a:ext>
+            </a:extLst>
+          </p:cNvPr>
+          <p:cNvPicPr>
+            <a:picLocks noChangeAspect="1"/>
+          </p:cNvPicPr>
+          <p:nvPr/>
+        </p:nvPicPr>
+        <p:blipFill>
+          <a:blip r:embed="rId17"/>
+          <a:stretch>
+            <a:fillRect/>
+          </a:stretch>
+        </p:blipFill>
+        <p:spPr>
+          <a:xfrm>
+            <a:off x="10544473" y="3106172"/>
+            <a:ext cx="1612679" cy="1142104"/>
+          </a:xfrm>
+          <a:prstGeom prst="rect">
+            <a:avLst/>
+          </a:prstGeom>
+        </p:spPr>
+      </p:pic>
+      <p:pic>
+        <p:nvPicPr>
+          <p:cNvPr id="59" name="Picture 58">
+            <a:extLst>
+              <a:ext uri="{FF2B5EF4-FFF2-40B4-BE49-F238E27FC236}">
+                <a16:creationId xmlns:a16="http://schemas.microsoft.com/office/drawing/2014/main" id="{73A87234-0124-4837-BA5F-5698908A7E5D}"/>
+              </a:ext>
+            </a:extLst>
+          </p:cNvPr>
+          <p:cNvPicPr>
+            <a:picLocks noChangeAspect="1"/>
+          </p:cNvPicPr>
+          <p:nvPr/>
+        </p:nvPicPr>
+        <p:blipFill>
+          <a:blip r:embed="rId18"/>
+          <a:stretch>
+            <a:fillRect/>
+          </a:stretch>
+        </p:blipFill>
+        <p:spPr>
+          <a:xfrm>
+            <a:off x="8419261" y="4065928"/>
+            <a:ext cx="1998312" cy="1411836"/>
+          </a:xfrm>
+          <a:prstGeom prst="rect">
+            <a:avLst/>
+          </a:prstGeom>
+        </p:spPr>
+      </p:pic>
+      <p:pic>
+        <p:nvPicPr>
+          <p:cNvPr id="60" name="Picture 59">
+            <a:extLst>
+              <a:ext uri="{FF2B5EF4-FFF2-40B4-BE49-F238E27FC236}">
+                <a16:creationId xmlns:a16="http://schemas.microsoft.com/office/drawing/2014/main" id="{366CCB1E-3324-438E-8281-4202C310DD1F}"/>
+              </a:ext>
+            </a:extLst>
+          </p:cNvPr>
+          <p:cNvPicPr>
+            <a:picLocks noChangeAspect="1"/>
+          </p:cNvPicPr>
+          <p:nvPr/>
+        </p:nvPicPr>
+        <p:blipFill>
+          <a:blip r:embed="rId19"/>
+          <a:stretch>
+            <a:fillRect/>
+          </a:stretch>
+        </p:blipFill>
+        <p:spPr>
+          <a:xfrm>
+            <a:off x="10515692" y="4065928"/>
+            <a:ext cx="1687637" cy="1168487"/>
+          </a:xfrm>
+          <a:prstGeom prst="rect">
+            <a:avLst/>
+          </a:prstGeom>
         </p:spPr>
       </p:pic>
     </p:spTree>
@@ -7047,6 +7546,313 @@
 </file>
 
 <file path=ppt/slides/slide12.xml><?xml version="1.0" encoding="utf-8"?>
+<p:sld xmlns:a="http://schemas.openxmlformats.org/drawingml/2006/main" xmlns:r="http://schemas.openxmlformats.org/officeDocument/2006/relationships" xmlns:p="http://schemas.openxmlformats.org/presentationml/2006/main">
+  <p:cSld>
+    <p:bg>
+      <p:bgPr>
+        <a:solidFill>
+          <a:schemeClr val="bg1"/>
+        </a:solidFill>
+        <a:effectLst/>
+      </p:bgPr>
+    </p:bg>
+    <p:spTree>
+      <p:nvGrpSpPr>
+        <p:cNvPr id="1" name=""/>
+        <p:cNvGrpSpPr/>
+        <p:nvPr/>
+      </p:nvGrpSpPr>
+      <p:grpSpPr>
+        <a:xfrm>
+          <a:off x="0" y="0"/>
+          <a:ext cx="0" cy="0"/>
+          <a:chOff x="0" y="0"/>
+          <a:chExt cx="0" cy="0"/>
+        </a:xfrm>
+      </p:grpSpPr>
+      <p:cxnSp>
+        <p:nvCxnSpPr>
+          <p:cNvPr id="76" name="Straight Connector 75">
+            <a:extLst>
+              <a:ext uri="{FF2B5EF4-FFF2-40B4-BE49-F238E27FC236}">
+                <a16:creationId xmlns:a16="http://schemas.microsoft.com/office/drawing/2014/main" id="{DB146403-F3D6-484B-B2ED-97F9565D0370}"/>
+              </a:ext>
+              <a:ext uri="{C183D7F6-B498-43B3-948B-1728B52AA6E4}">
+                <adec:decorative xmlns:adec="http://schemas.microsoft.com/office/drawing/2017/decorative" val="1"/>
+              </a:ext>
+            </a:extLst>
+          </p:cNvPr>
+          <p:cNvCxnSpPr>
+            <a:cxnSpLocks noGrp="1" noRot="1" noChangeAspect="1" noMove="1" noResize="1" noEditPoints="1" noAdjustHandles="1" noChangeArrowheads="1" noChangeShapeType="1"/>
+          </p:cNvCxnSpPr>
+          <p:nvPr>
+            <p:extLst>
+              <p:ext uri="{386F3935-93C4-4BCD-93E2-E3B085C9AB24}">
+                <p16:designElem xmlns:p16="http://schemas.microsoft.com/office/powerpoint/2015/main" val="1"/>
+              </p:ext>
+            </p:extLst>
+          </p:nvPr>
+        </p:nvCxnSpPr>
+        <p:spPr>
+          <a:xfrm>
+            <a:off x="6096000" y="477749"/>
+            <a:ext cx="0" cy="3657600"/>
+          </a:xfrm>
+          <a:prstGeom prst="line">
+            <a:avLst/>
+          </a:prstGeom>
+          <a:ln w="101600" cmpd="dbl">
+            <a:solidFill>
+              <a:srgbClr val="595959"/>
+            </a:solidFill>
+          </a:ln>
+        </p:spPr>
+        <p:style>
+          <a:lnRef idx="1">
+            <a:schemeClr val="accent1"/>
+          </a:lnRef>
+          <a:fillRef idx="0">
+            <a:schemeClr val="accent1"/>
+          </a:fillRef>
+          <a:effectRef idx="0">
+            <a:schemeClr val="accent1"/>
+          </a:effectRef>
+          <a:fontRef idx="minor">
+            <a:schemeClr val="tx1"/>
+          </a:fontRef>
+        </p:style>
+      </p:cxnSp>
+      <p:sp>
+        <p:nvSpPr>
+          <p:cNvPr id="78" name="Rectangle 77">
+            <a:extLst>
+              <a:ext uri="{FF2B5EF4-FFF2-40B4-BE49-F238E27FC236}">
+                <a16:creationId xmlns:a16="http://schemas.microsoft.com/office/drawing/2014/main" id="{823AC064-BC96-4F32-8AE1-B2FD38754823}"/>
+              </a:ext>
+              <a:ext uri="{C183D7F6-B498-43B3-948B-1728B52AA6E4}">
+                <adec:decorative xmlns:adec="http://schemas.microsoft.com/office/drawing/2017/decorative" val="1"/>
+              </a:ext>
+            </a:extLst>
+          </p:cNvPr>
+          <p:cNvSpPr>
+            <a:spLocks noGrp="1" noRot="1" noChangeAspect="1" noMove="1" noResize="1" noEditPoints="1" noAdjustHandles="1" noChangeArrowheads="1" noChangeShapeType="1" noTextEdit="1"/>
+          </p:cNvSpPr>
+          <p:nvPr>
+            <p:extLst>
+              <p:ext uri="{386F3935-93C4-4BCD-93E2-E3B085C9AB24}">
+                <p16:designElem xmlns:p16="http://schemas.microsoft.com/office/powerpoint/2015/main" val="1"/>
+              </p:ext>
+            </p:extLst>
+          </p:nvPr>
+        </p:nvSpPr>
+        <p:spPr bwMode="ltGray">
+          <a:xfrm>
+            <a:off x="378068" y="4633546"/>
+            <a:ext cx="11438793" cy="1844256"/>
+          </a:xfrm>
+          <a:prstGeom prst="rect">
+            <a:avLst/>
+          </a:prstGeom>
+          <a:solidFill>
+            <a:srgbClr val="404040"/>
+          </a:solidFill>
+          <a:ln w="127000" cap="sq" cmpd="thinThick">
+            <a:solidFill>
+              <a:srgbClr val="404040"/>
+            </a:solidFill>
+          </a:ln>
+        </p:spPr>
+        <p:style>
+          <a:lnRef idx="2">
+            <a:schemeClr val="accent1">
+              <a:shade val="50000"/>
+            </a:schemeClr>
+          </a:lnRef>
+          <a:fillRef idx="1">
+            <a:schemeClr val="accent1"/>
+          </a:fillRef>
+          <a:effectRef idx="0">
+            <a:schemeClr val="accent1"/>
+          </a:effectRef>
+          <a:fontRef idx="minor">
+            <a:schemeClr val="lt1"/>
+          </a:fontRef>
+        </p:style>
+        <p:txBody>
+          <a:bodyPr rtlCol="0" anchor="ctr"/>
+          <a:lstStyle/>
+          <a:p>
+            <a:pPr algn="ctr"/>
+            <a:endParaRPr lang="en-US"/>
+          </a:p>
+        </p:txBody>
+      </p:sp>
+      <p:sp>
+        <p:nvSpPr>
+          <p:cNvPr id="2" name="Title 1">
+            <a:extLst>
+              <a:ext uri="{FF2B5EF4-FFF2-40B4-BE49-F238E27FC236}">
+                <a16:creationId xmlns:a16="http://schemas.microsoft.com/office/drawing/2014/main" id="{944AE858-8518-4CA9-B6F1-E00BBC72BEF8}"/>
+              </a:ext>
+            </a:extLst>
+          </p:cNvPr>
+          <p:cNvSpPr>
+            <a:spLocks noGrp="1"/>
+          </p:cNvSpPr>
+          <p:nvPr>
+            <p:ph type="title"/>
+          </p:nvPr>
+        </p:nvSpPr>
+        <p:spPr>
+          <a:xfrm>
+            <a:off x="527538" y="4756638"/>
+            <a:ext cx="11139854" cy="930447"/>
+          </a:xfrm>
+        </p:spPr>
+        <p:txBody>
+          <a:bodyPr vert="horz" lIns="91440" tIns="45720" rIns="91440" bIns="45720" rtlCol="0" anchor="b">
+            <a:normAutofit/>
+          </a:bodyPr>
+          <a:lstStyle/>
+          <a:p>
+            <a:pPr algn="ctr"/>
+            <a:r>
+              <a:rPr lang="en-US" sz="5400">
+                <a:solidFill>
+                  <a:srgbClr val="FFFFFF"/>
+                </a:solidFill>
+              </a:rPr>
+              <a:t>Analysis</a:t>
+            </a:r>
+          </a:p>
+        </p:txBody>
+      </p:sp>
+      <p:pic>
+        <p:nvPicPr>
+          <p:cNvPr id="10" name="Picture 9">
+            <a:extLst>
+              <a:ext uri="{FF2B5EF4-FFF2-40B4-BE49-F238E27FC236}">
+                <a16:creationId xmlns:a16="http://schemas.microsoft.com/office/drawing/2014/main" id="{90F397C3-7859-4D04-A84A-D7D7F95B6421}"/>
+              </a:ext>
+            </a:extLst>
+          </p:cNvPr>
+          <p:cNvPicPr>
+            <a:picLocks noChangeAspect="1"/>
+          </p:cNvPicPr>
+          <p:nvPr/>
+        </p:nvPicPr>
+        <p:blipFill>
+          <a:blip r:embed="rId2"/>
+          <a:stretch>
+            <a:fillRect/>
+          </a:stretch>
+        </p:blipFill>
+        <p:spPr>
+          <a:xfrm>
+            <a:off x="320040" y="533376"/>
+            <a:ext cx="5455917" cy="3546346"/>
+          </a:xfrm>
+          <a:prstGeom prst="rect">
+            <a:avLst/>
+          </a:prstGeom>
+        </p:spPr>
+      </p:pic>
+      <p:pic>
+        <p:nvPicPr>
+          <p:cNvPr id="8" name="Picture 7">
+            <a:extLst>
+              <a:ext uri="{FF2B5EF4-FFF2-40B4-BE49-F238E27FC236}">
+                <a16:creationId xmlns:a16="http://schemas.microsoft.com/office/drawing/2014/main" id="{B241B979-AEC7-4873-8E20-B1A93A39C5CF}"/>
+              </a:ext>
+            </a:extLst>
+          </p:cNvPr>
+          <p:cNvPicPr>
+            <a:picLocks noChangeAspect="1"/>
+          </p:cNvPicPr>
+          <p:nvPr/>
+        </p:nvPicPr>
+        <p:blipFill>
+          <a:blip r:embed="rId3"/>
+          <a:stretch>
+            <a:fillRect/>
+          </a:stretch>
+        </p:blipFill>
+        <p:spPr>
+          <a:xfrm>
+            <a:off x="6416043" y="567476"/>
+            <a:ext cx="5455917" cy="3478147"/>
+          </a:xfrm>
+          <a:prstGeom prst="rect">
+            <a:avLst/>
+          </a:prstGeom>
+        </p:spPr>
+      </p:pic>
+      <p:cxnSp>
+        <p:nvCxnSpPr>
+          <p:cNvPr id="80" name="Straight Connector 79">
+            <a:extLst>
+              <a:ext uri="{FF2B5EF4-FFF2-40B4-BE49-F238E27FC236}">
+                <a16:creationId xmlns:a16="http://schemas.microsoft.com/office/drawing/2014/main" id="{7E7C77BC-7138-40B1-A15B-20F57A494629}"/>
+              </a:ext>
+              <a:ext uri="{C183D7F6-B498-43B3-948B-1728B52AA6E4}">
+                <adec:decorative xmlns:adec="http://schemas.microsoft.com/office/drawing/2017/decorative" val="1"/>
+              </a:ext>
+            </a:extLst>
+          </p:cNvPr>
+          <p:cNvCxnSpPr>
+            <a:cxnSpLocks noGrp="1" noRot="1" noChangeAspect="1" noMove="1" noResize="1" noEditPoints="1" noAdjustHandles="1" noChangeArrowheads="1" noChangeShapeType="1"/>
+          </p:cNvCxnSpPr>
+          <p:nvPr>
+            <p:extLst>
+              <p:ext uri="{386F3935-93C4-4BCD-93E2-E3B085C9AB24}">
+                <p16:designElem xmlns:p16="http://schemas.microsoft.com/office/powerpoint/2015/main" val="1"/>
+              </p:ext>
+            </p:extLst>
+          </p:nvPr>
+        </p:nvCxnSpPr>
+        <p:spPr>
+          <a:xfrm>
+            <a:off x="2209800" y="5738691"/>
+            <a:ext cx="7772400" cy="0"/>
+          </a:xfrm>
+          <a:prstGeom prst="line">
+            <a:avLst/>
+          </a:prstGeom>
+          <a:ln w="22225">
+            <a:solidFill>
+              <a:srgbClr val="D9D9D9"/>
+            </a:solidFill>
+          </a:ln>
+        </p:spPr>
+        <p:style>
+          <a:lnRef idx="1">
+            <a:schemeClr val="accent1"/>
+          </a:lnRef>
+          <a:fillRef idx="0">
+            <a:schemeClr val="accent1"/>
+          </a:fillRef>
+          <a:effectRef idx="0">
+            <a:schemeClr val="accent1"/>
+          </a:effectRef>
+          <a:fontRef idx="minor">
+            <a:schemeClr val="tx1"/>
+          </a:fontRef>
+        </p:style>
+      </p:cxnSp>
+    </p:spTree>
+    <p:extLst>
+      <p:ext uri="{BB962C8B-B14F-4D97-AF65-F5344CB8AC3E}">
+        <p14:creationId xmlns:p14="http://schemas.microsoft.com/office/powerpoint/2010/main" val="675167659"/>
+      </p:ext>
+    </p:extLst>
+  </p:cSld>
+  <p:clrMapOvr>
+    <a:masterClrMapping/>
+  </p:clrMapOvr>
+</p:sld>
+</file>
+
+<file path=ppt/slides/slide13.xml><?xml version="1.0" encoding="utf-8"?>
 <p:sld xmlns:a="http://schemas.openxmlformats.org/drawingml/2006/main" xmlns:r="http://schemas.openxmlformats.org/officeDocument/2006/relationships" xmlns:p="http://schemas.openxmlformats.org/presentationml/2006/main">
   <p:cSld>
     <p:bg>
@@ -7239,304 +8045,38 @@
       </p:sp>
       <p:pic>
         <p:nvPicPr>
-          <p:cNvPr id="1026" name="Picture 2">
-            <a:extLst>
-              <a:ext uri="{FF2B5EF4-FFF2-40B4-BE49-F238E27FC236}">
-                <a16:creationId xmlns:a16="http://schemas.microsoft.com/office/drawing/2014/main" id="{85A75ED0-EA56-49E2-8D85-8C7DE0602C08}"/>
+          <p:cNvPr id="6" name="Picture 5">
+            <a:extLst>
+              <a:ext uri="{FF2B5EF4-FFF2-40B4-BE49-F238E27FC236}">
+                <a16:creationId xmlns:a16="http://schemas.microsoft.com/office/drawing/2014/main" id="{7083DA4A-D9EF-4B0E-8B8D-8C67E9A588AD}"/>
               </a:ext>
             </a:extLst>
           </p:cNvPr>
           <p:cNvPicPr>
-            <a:picLocks noChangeAspect="1" noChangeArrowheads="1"/>
+            <a:picLocks noChangeAspect="1"/>
           </p:cNvPicPr>
           <p:nvPr/>
         </p:nvPicPr>
         <p:blipFill>
-          <a:blip r:embed="rId2">
-            <a:extLst>
-              <a:ext uri="{28A0092B-C50C-407E-A947-70E740481C1C}">
-                <a14:useLocalDpi xmlns:a14="http://schemas.microsoft.com/office/drawing/2010/main" val="0"/>
-              </a:ext>
-            </a:extLst>
-          </a:blip>
+          <a:blip r:embed="rId2"/>
           <a:stretch>
             <a:fillRect/>
           </a:stretch>
         </p:blipFill>
-        <p:spPr bwMode="auto">
+        <p:spPr>
           <a:xfrm>
-            <a:off x="4732989" y="952500"/>
-            <a:ext cx="6761948" cy="4829963"/>
+            <a:off x="5588895" y="1542245"/>
+            <a:ext cx="6202070" cy="3519152"/>
           </a:xfrm>
           <a:prstGeom prst="rect">
             <a:avLst/>
           </a:prstGeom>
-          <a:noFill/>
-          <a:extLst>
-            <a:ext uri="{909E8E84-426E-40DD-AFC4-6F175D3DCCD1}">
-              <a14:hiddenFill xmlns:a14="http://schemas.microsoft.com/office/drawing/2010/main">
-                <a:solidFill>
-                  <a:srgbClr val="FFFFFF"/>
-                </a:solidFill>
-              </a14:hiddenFill>
-            </a:ext>
-          </a:extLst>
         </p:spPr>
       </p:pic>
     </p:spTree>
     <p:extLst>
       <p:ext uri="{BB962C8B-B14F-4D97-AF65-F5344CB8AC3E}">
         <p14:creationId xmlns:p14="http://schemas.microsoft.com/office/powerpoint/2010/main" val="1101884855"/>
-      </p:ext>
-    </p:extLst>
-  </p:cSld>
-  <p:clrMapOvr>
-    <a:masterClrMapping/>
-  </p:clrMapOvr>
-</p:sld>
-</file>
-
-<file path=ppt/slides/slide13.xml><?xml version="1.0" encoding="utf-8"?>
-<p:sld xmlns:a="http://schemas.openxmlformats.org/drawingml/2006/main" xmlns:r="http://schemas.openxmlformats.org/officeDocument/2006/relationships" xmlns:p="http://schemas.openxmlformats.org/presentationml/2006/main">
-  <p:cSld>
-    <p:bg>
-      <p:bgPr>
-        <a:solidFill>
-          <a:schemeClr val="bg1"/>
-        </a:solidFill>
-        <a:effectLst/>
-      </p:bgPr>
-    </p:bg>
-    <p:spTree>
-      <p:nvGrpSpPr>
-        <p:cNvPr id="1" name=""/>
-        <p:cNvGrpSpPr/>
-        <p:nvPr/>
-      </p:nvGrpSpPr>
-      <p:grpSpPr>
-        <a:xfrm>
-          <a:off x="0" y="0"/>
-          <a:ext cx="0" cy="0"/>
-          <a:chOff x="0" y="0"/>
-          <a:chExt cx="0" cy="0"/>
-        </a:xfrm>
-      </p:grpSpPr>
-      <p:sp>
-        <p:nvSpPr>
-          <p:cNvPr id="135" name="Down Arrow 7">
-            <a:extLst>
-              <a:ext uri="{FF2B5EF4-FFF2-40B4-BE49-F238E27FC236}">
-                <a16:creationId xmlns:a16="http://schemas.microsoft.com/office/drawing/2014/main" id="{73DE2CFE-42F2-48F0-8706-5264E012B10C}"/>
-              </a:ext>
-              <a:ext uri="{C183D7F6-B498-43B3-948B-1728B52AA6E4}">
-                <adec:decorative xmlns:adec="http://schemas.microsoft.com/office/drawing/2017/decorative" val="1"/>
-              </a:ext>
-            </a:extLst>
-          </p:cNvPr>
-          <p:cNvSpPr>
-            <a:spLocks noGrp="1" noRot="1" noChangeAspect="1" noMove="1" noResize="1" noEditPoints="1" noAdjustHandles="1" noChangeArrowheads="1" noChangeShapeType="1" noTextEdit="1"/>
-          </p:cNvSpPr>
-          <p:nvPr>
-            <p:extLst>
-              <p:ext uri="{386F3935-93C4-4BCD-93E2-E3B085C9AB24}">
-                <p16:designElem xmlns:p16="http://schemas.microsoft.com/office/powerpoint/2015/main" val="1"/>
-              </p:ext>
-            </p:extLst>
-          </p:nvPr>
-        </p:nvSpPr>
-        <p:spPr>
-          <a:xfrm rot="16200000">
-            <a:off x="1288521" y="381403"/>
-            <a:ext cx="2200313" cy="3342508"/>
-          </a:xfrm>
-          <a:prstGeom prst="downArrow">
-            <a:avLst>
-              <a:gd name="adj1" fmla="val 100000"/>
-              <a:gd name="adj2" fmla="val 15788"/>
-            </a:avLst>
-          </a:prstGeom>
-          <a:solidFill>
-            <a:srgbClr val="404040"/>
-          </a:solidFill>
-          <a:ln w="53975">
-            <a:noFill/>
-          </a:ln>
-        </p:spPr>
-        <p:style>
-          <a:lnRef idx="2">
-            <a:schemeClr val="accent1">
-              <a:shade val="50000"/>
-            </a:schemeClr>
-          </a:lnRef>
-          <a:fillRef idx="1">
-            <a:schemeClr val="accent1"/>
-          </a:fillRef>
-          <a:effectRef idx="0">
-            <a:schemeClr val="accent1"/>
-          </a:effectRef>
-          <a:fontRef idx="minor">
-            <a:schemeClr val="lt1"/>
-          </a:fontRef>
-        </p:style>
-        <p:txBody>
-          <a:bodyPr rtlCol="0" anchor="ctr"/>
-          <a:lstStyle/>
-          <a:p>
-            <a:pPr marL="0" marR="0" lvl="0" indent="0" algn="ctr" defTabSz="914400" rtl="0" eaLnBrk="1" fontAlgn="auto" latinLnBrk="0" hangingPunct="1">
-              <a:lnSpc>
-                <a:spcPct val="100000"/>
-              </a:lnSpc>
-              <a:spcBef>
-                <a:spcPts val="0"/>
-              </a:spcBef>
-              <a:spcAft>
-                <a:spcPts val="0"/>
-              </a:spcAft>
-              <a:buClrTx/>
-              <a:buSzTx/>
-              <a:buFontTx/>
-              <a:buNone/>
-              <a:tabLst/>
-              <a:defRPr/>
-            </a:pPr>
-            <a:endParaRPr kumimoji="0" lang="en-US" sz="1800" b="0" i="0" u="none" strike="noStrike" kern="1200" cap="none" spc="0" normalizeH="0" baseline="0" noProof="0">
-              <a:ln>
-                <a:noFill/>
-              </a:ln>
-              <a:solidFill>
-                <a:prstClr val="white"/>
-              </a:solidFill>
-              <a:effectLst/>
-              <a:uLnTx/>
-              <a:uFillTx/>
-              <a:latin typeface="Calibri" panose="020F0502020204030204"/>
-              <a:ea typeface="+mn-ea"/>
-              <a:cs typeface="+mn-cs"/>
-            </a:endParaRPr>
-          </a:p>
-        </p:txBody>
-      </p:sp>
-      <p:sp>
-        <p:nvSpPr>
-          <p:cNvPr id="2" name="Title 1">
-            <a:extLst>
-              <a:ext uri="{FF2B5EF4-FFF2-40B4-BE49-F238E27FC236}">
-                <a16:creationId xmlns:a16="http://schemas.microsoft.com/office/drawing/2014/main" id="{944AE858-8518-4CA9-B6F1-E00BBC72BEF8}"/>
-              </a:ext>
-            </a:extLst>
-          </p:cNvPr>
-          <p:cNvSpPr>
-            <a:spLocks noGrp="1"/>
-          </p:cNvSpPr>
-          <p:nvPr>
-            <p:ph type="title"/>
-          </p:nvPr>
-        </p:nvSpPr>
-        <p:spPr>
-          <a:xfrm>
-            <a:off x="966952" y="1204108"/>
-            <a:ext cx="2669406" cy="1781175"/>
-          </a:xfrm>
-        </p:spPr>
-        <p:txBody>
-          <a:bodyPr>
-            <a:normAutofit/>
-          </a:bodyPr>
-          <a:lstStyle/>
-          <a:p>
-            <a:r>
-              <a:rPr lang="en-US" sz="3200">
-                <a:solidFill>
-                  <a:srgbClr val="FFFFFF"/>
-                </a:solidFill>
-              </a:rPr>
-              <a:t>Analysis</a:t>
-            </a:r>
-          </a:p>
-        </p:txBody>
-      </p:sp>
-      <p:sp>
-        <p:nvSpPr>
-          <p:cNvPr id="3" name="Content Placeholder 2">
-            <a:extLst>
-              <a:ext uri="{FF2B5EF4-FFF2-40B4-BE49-F238E27FC236}">
-                <a16:creationId xmlns:a16="http://schemas.microsoft.com/office/drawing/2014/main" id="{E5EE9EFD-35E3-405E-B90A-24B54DE92177}"/>
-              </a:ext>
-            </a:extLst>
-          </p:cNvPr>
-          <p:cNvSpPr>
-            <a:spLocks noGrp="1"/>
-          </p:cNvSpPr>
-          <p:nvPr>
-            <p:ph idx="1"/>
-          </p:nvPr>
-        </p:nvSpPr>
-        <p:spPr>
-          <a:xfrm>
-            <a:off x="966951" y="3355130"/>
-            <a:ext cx="2669407" cy="2427333"/>
-          </a:xfrm>
-        </p:spPr>
-        <p:txBody>
-          <a:bodyPr>
-            <a:normAutofit/>
-          </a:bodyPr>
-          <a:lstStyle/>
-          <a:p>
-            <a:endParaRPr lang="en-US" sz="1600"/>
-          </a:p>
-        </p:txBody>
-      </p:sp>
-      <p:pic>
-        <p:nvPicPr>
-          <p:cNvPr id="1026" name="Picture 2">
-            <a:extLst>
-              <a:ext uri="{FF2B5EF4-FFF2-40B4-BE49-F238E27FC236}">
-                <a16:creationId xmlns:a16="http://schemas.microsoft.com/office/drawing/2014/main" id="{85A75ED0-EA56-49E2-8D85-8C7DE0602C08}"/>
-              </a:ext>
-            </a:extLst>
-          </p:cNvPr>
-          <p:cNvPicPr>
-            <a:picLocks noChangeAspect="1" noChangeArrowheads="1"/>
-          </p:cNvPicPr>
-          <p:nvPr/>
-        </p:nvPicPr>
-        <p:blipFill>
-          <a:blip r:embed="rId2">
-            <a:extLst>
-              <a:ext uri="{28A0092B-C50C-407E-A947-70E740481C1C}">
-                <a14:useLocalDpi xmlns:a14="http://schemas.microsoft.com/office/drawing/2010/main" val="0"/>
-              </a:ext>
-            </a:extLst>
-          </a:blip>
-          <a:stretch>
-            <a:fillRect/>
-          </a:stretch>
-        </p:blipFill>
-        <p:spPr bwMode="auto">
-          <a:xfrm>
-            <a:off x="4732989" y="952500"/>
-            <a:ext cx="6761948" cy="4829963"/>
-          </a:xfrm>
-          <a:prstGeom prst="rect">
-            <a:avLst/>
-          </a:prstGeom>
-          <a:noFill/>
-          <a:extLst>
-            <a:ext uri="{909E8E84-426E-40DD-AFC4-6F175D3DCCD1}">
-              <a14:hiddenFill xmlns:a14="http://schemas.microsoft.com/office/drawing/2010/main">
-                <a:solidFill>
-                  <a:srgbClr val="FFFFFF"/>
-                </a:solidFill>
-              </a14:hiddenFill>
-            </a:ext>
-          </a:extLst>
-        </p:spPr>
-      </p:pic>
-    </p:spTree>
-    <p:extLst>
-      <p:ext uri="{BB962C8B-B14F-4D97-AF65-F5344CB8AC3E}">
-        <p14:creationId xmlns:p14="http://schemas.microsoft.com/office/powerpoint/2010/main" val="675167659"/>
       </p:ext>
     </p:extLst>
   </p:cSld>
@@ -7691,11 +8231,7 @@
               <a:defRPr/>
             </a:pPr>
             <a:r>
-              <a:rPr lang="en-US" dirty="0">
-                <a:solidFill>
-                  <a:srgbClr val="FF0000"/>
-                </a:solidFill>
-              </a:rPr>
+              <a:rPr lang="en-US" dirty="0"/>
               <a:t>Lots of predictors</a:t>
             </a:r>
           </a:p>
@@ -7707,11 +8243,7 @@
               <a:defRPr/>
             </a:pPr>
             <a:r>
-              <a:rPr lang="en-US" dirty="0">
-                <a:solidFill>
-                  <a:srgbClr val="FF0000"/>
-                </a:solidFill>
-              </a:rPr>
+              <a:rPr lang="en-US" dirty="0"/>
               <a:t>Model selection approaches</a:t>
             </a:r>
           </a:p>
